--- a/Week 4/1_RNNs_LSTMs.pptx
+++ b/Week 4/1_RNNs_LSTMs.pptx
@@ -113,6 +113,410 @@
     </p:ext>
   </p:extLst>
 </p:presentation>
+</file>
+
+<file path=ppt/ink/ink1.xml><?xml version="1.0" encoding="utf-8"?>
+<inkml:ink xmlns:inkml="http://www.w3.org/2003/InkML">
+  <inkml:definitions>
+    <inkml:context xml:id="ctx0">
+      <inkml:inkSource xml:id="inkSrc0">
+        <inkml:traceFormat>
+          <inkml:channel name="X" type="integer" min="-2.14748E9" max="2.14748E9" units="cm"/>
+          <inkml:channel name="Y" type="integer" min="-2.14748E9" max="2.14748E9" units="cm"/>
+          <inkml:channel name="F" type="integer" max="32767" units="dev"/>
+          <inkml:channel name="OA" type="integer" max="360" units="deg"/>
+          <inkml:channel name="OE" type="integer" max="90" units="deg"/>
+        </inkml:traceFormat>
+        <inkml:channelProperties>
+          <inkml:channelProperty channel="X" name="resolution" value="1000" units="1/cm"/>
+          <inkml:channelProperty channel="Y" name="resolution" value="1000" units="1/cm"/>
+          <inkml:channelProperty channel="F" name="resolution" value="0" units="1/dev"/>
+          <inkml:channelProperty channel="OA" name="resolution" value="1000" units="1/deg"/>
+          <inkml:channelProperty channel="OE" name="resolution" value="1000" units="1/deg"/>
+        </inkml:channelProperties>
+      </inkml:inkSource>
+      <inkml:timestamp xml:id="ts0" timeString="2021-09-29T18:00:02.763"/>
+    </inkml:context>
+    <inkml:brush xml:id="br0">
+      <inkml:brushProperty name="width" value="0.05" units="cm"/>
+      <inkml:brushProperty name="height" value="0.05" units="cm"/>
+    </inkml:brush>
+  </inkml:definitions>
+  <inkml:trace contextRef="#ctx0" brushRef="#br0">0 211 2759 0 0,'0'0'9400'0'0,"20"-6"-8280"0"0,-9 8-1120 0 0,-9-1 94 0 0,1-1 0 0 0,0 1 1 0 0,-1 0-1 0 0,1 0 0 0 0,-1 1 0 0 0,0-1 0 0 0,1 0 0 0 0,-1 1 0 0 0,0-1 0 0 0,0 1 0 0 0,0 0 0 0 0,0 0 0 0 0,0 0 1 0 0,0 0-1 0 0,0 0 0 0 0,-1 0 0 0 0,3 4 0 0 0,4 5 260 0 0,-5-9-354 0 0,6 12 0 0 0,-1-2 0 0 0,23 27 0 0 0,44 90 0 0 0,-63-107 0 0 0,11 26 0 0 0,-14-30 0 0 0,1 5 0 0 0,23 38 1883 0 0,-31-62-1734 0 0,-1 0-147 0 0,-1 1-1 0 0,1 0-1 0 0,-1-1 1 0 0,1 1 0 0 0,-1 0-1 0 0,1-1 1 0 0,-1 1 0 0 0,1-1-1 0 0,-1 1 1 0 0,1-1 0 0 0,-1 1-1 0 0,0-1 1 0 0,1 1 0 0 0,-1-1-1 0 0,0 1 1 0 0,1-1 0 0 0,-1 1-1 0 0,0-1 1 0 0,0 0-1 0 0,1 1 1 0 0,-1-1 0 0 0,0 1-1 0 0,0-2 1 0 0,3-18-2 0 0,9-45 1 0 0,-7 36 0 0 0,-1-2 1024 0 0,0-58 0 0 0,-4 85-1024 0 0,1 1 0 0 0,0-1 0 0 0,0 0 0 0 0,0 1 0 0 0,0-1 0 0 0,0 1 0 0 0,4-7 0 0 0,5-18 0 0 0,-9 21 0 0 0,2 0 0 0 0,-1 0 0 0 0,0 0 0 0 0,1 1 0 0 0,1-1 0 0 0,-1 1 0 0 0,1 0 0 0 0,0 0 0 0 0,0 0 0 0 0,1 0 0 0 0,5-5 0 0 0,10-9 0 0 0,34-26 0 0 0,-47 41 0 0 0,5-5 0 0 0,-7 5 0 0 0,0 1 0 0 0,1-1 0 0 0,-1 1 0 0 0,1 1 0 0 0,0-1 0 0 0,0 1 0 0 0,0 0 0 0 0,1 0 0 0 0,-1 1 0 0 0,1-1 0 0 0,-1 1 0 0 0,1 1 0 0 0,0 0 0 0 0,-1 0 0 0 0,9-1 0 0 0,22-3 0 0 0,-23 3 0 0 0,30-2 0 0 0,-33 3 0 0 0,1 0 0 0 0,3 1 0 0 0,-12-1 0 0 0,11-5 0 0 0,-3 2 0 0 0,-2-4 0 0 0,-3-1 0 0 0,0-2 0 0 0,-5 10 0 0 0,-1 0 0 0 0,1 0 0 0 0,-1 0 0 0 0,1 0 0 0 0,0 0 0 0 0,-1-1 0 0 0,0 1 0 0 0,1 0 0 0 0,-1 0 0 0 0,0-1 0 0 0,0 1 0 0 0,1 0 0 0 0,-1 0 0 0 0,0-1 0 0 0,0 1 0 0 0,-1-1 0 0 0,1-2 0 0 0,-2-8 0 0 0,2 11 0 0 0,0 1 0 0 0,0-1 0 0 0,0 1 0 0 0,-1 0 0 0 0,1-1 0 0 0,0 1 0 0 0,0-1 0 0 0,-1 1 0 0 0,1 0 0 0 0,0-1 0 0 0,-1 1 0 0 0,1 0 0 0 0,0 0 0 0 0,-1-1 0 0 0,1 1 0 0 0,-1 0 0 0 0,1 0 0 0 0,-1-1 0 0 0,1 1 0 0 0,0 0 0 0 0,-2 0 0 0 0,1 0 0 0 0,0 0 0 0 0,0 1 0 0 0,0-1 0 0 0,0 0 0 0 0,0 1 0 0 0,0-1 0 0 0,0 1 0 0 0,0-1 0 0 0,0 1 0 0 0,0 0 0 0 0,0-1 0 0 0,0 1 0 0 0,0 0 0 0 0,0 0 0 0 0,1 0 0 0 0,-1 0 0 0 0,0 0 0 0 0,0 1 0 0 0,-16 24 0 0 0,10-15 0 0 0,2-2 0 0 0,0 0 0 0 0,1 1 0 0 0,0-1 0 0 0,1 1 0 0 0,0 0 0 0 0,1 0 0 0 0,0 0 0 0 0,0 1 0 0 0,1-1 0 0 0,0 0 0 0 0,1 1 0 0 0,0-1 0 0 0,1 0 0 0 0,2 15 0 0 0,-2-20 0 0 0,0 0 0 0 0,1 0 0 0 0,-1 0 0 0 0,1 0 0 0 0,3 7 0 0 0,-3-10 0 0 0,1 1 0 0 0,-1 0 0 0 0,1-1 0 0 0,-1 0 0 0 0,1 0 0 0 0,0 1 0 0 0,0-2 0 0 0,6 4 0 0 0,-2-2 0 0 0,0 0 0 0 0,0-1 0 0 0,0 0 0 0 0,1 0 0 0 0,12 1 0 0 0,-6-1 0 0 0,7 0 0 0 0,-16-2 0 0 0,-1 1 0 0 0,1-1 0 0 0,-1 1 0 0 0,1 0 0 0 0,-1 0 0 0 0,1 0 0 0 0,-1 0 0 0 0,0 1 0 0 0,0 0 0 0 0,1-1 0 0 0,-1 2 0 0 0,0-1 0 0 0,-1 0 0 0 0,1 1 0 0 0,0 0 0 0 0,3 4 0 0 0,-5-5 0 0 0,-1 1 0 0 0,1-1 0 0 0,-1 1 0 0 0,0 0 0 0 0,0 0 0 0 0,0-1 0 0 0,-1 1 0 0 0,1 0 0 0 0,-1 0 0 0 0,1 0 0 0 0,-1 0 0 0 0,0 3 0 0 0,-1-1 0 0 0,0-1 0 0 0,-1 1 0 0 0,0-1 0 0 0,1 1 0 0 0,-1-1 0 0 0,-1 0 0 0 0,1 0 0 0 0,-1 0 0 0 0,1 0 0 0 0,-1-1 0 0 0,0 1 0 0 0,-1-1 0 0 0,-3 4 0 0 0,-8 6 0 0 0,-30 19 0 0 0,33-23 0 0 0,-106 64 0 0 0,110-67 72 0 0,7-6-32 0 0,1 0 0 0 0,0 0 0 0 0,-1 0 0 0 0,1 0 0 0 0,-1 0 0 0 0,1 0 0 0 0,-1 0 0 0 0,1 0 0 0 0,-1 0 0 0 0,1 0 0 0 0,0-1 0 0 0,-1 1-1 0 0,1 0 1 0 0,-1 0 0 0 0,1 0 0 0 0,0 0 0 0 0,-1-1 0 0 0,1 1 0 0 0,0 0 0 0 0,-1 0 0 0 0,1-1 0 0 0,0 1 0 0 0,-1 0 0 0 0,1-1 0 0 0,0 1 0 0 0,-1 0 0 0 0,1-1 0 0 0,0 1 0 0 0,0 0-1 0 0,-1-1 1 0 0,1 1 0 0 0,0-1 0 0 0,0 1 0 0 0,0 0 0 0 0,0-1 0 0 0,0 0 0 0 0,-6-14 639 0 0,6 16-924 0 0,-1-3-92 0 0</inkml:trace>
+</inkml:ink>
+</file>
+
+<file path=ppt/ink/ink10.xml><?xml version="1.0" encoding="utf-8"?>
+<inkml:ink xmlns:inkml="http://www.w3.org/2003/InkML">
+  <inkml:definitions>
+    <inkml:context xml:id="ctx0">
+      <inkml:inkSource xml:id="inkSrc0">
+        <inkml:traceFormat>
+          <inkml:channel name="X" type="integer" min="-2.14748E9" max="2.14748E9" units="cm"/>
+          <inkml:channel name="Y" type="integer" min="-2.14748E9" max="2.14748E9" units="cm"/>
+          <inkml:channel name="F" type="integer" max="32767" units="dev"/>
+          <inkml:channel name="OA" type="integer" max="360" units="deg"/>
+          <inkml:channel name="OE" type="integer" max="90" units="deg"/>
+        </inkml:traceFormat>
+        <inkml:channelProperties>
+          <inkml:channelProperty channel="X" name="resolution" value="1000" units="1/cm"/>
+          <inkml:channelProperty channel="Y" name="resolution" value="1000" units="1/cm"/>
+          <inkml:channelProperty channel="F" name="resolution" value="0" units="1/dev"/>
+          <inkml:channelProperty channel="OA" name="resolution" value="1000" units="1/deg"/>
+          <inkml:channelProperty channel="OE" name="resolution" value="1000" units="1/deg"/>
+        </inkml:channelProperties>
+      </inkml:inkSource>
+      <inkml:timestamp xml:id="ts0" timeString="2021-09-29T18:00:10.681"/>
+    </inkml:context>
+    <inkml:brush xml:id="br0">
+      <inkml:brushProperty name="width" value="0.05" units="cm"/>
+      <inkml:brushProperty name="height" value="0.05" units="cm"/>
+    </inkml:brush>
+  </inkml:definitions>
+  <inkml:trace contextRef="#ctx0" brushRef="#br0">1 1 10135 0 0,'0'0'919'0'0,"12"-1"-742"0"0,-8 1-290 0 0,0 0 0 0 0,0 1 0 0 0,0-1 0 0 0,-1 1 0 0 0,1 0 0 0 0,0 0 0 0 0,0 0 0 0 0,0 1 0 0 0,-1-1 0 0 0,1 1 0 0 0,-1 0 0 0 0,1 0 0 0 0,-1 0-1 0 0,0 0 1 0 0,0 1 0 0 0,0-1 0 0 0,5 7 0 0 0,5 5 812 0 0,-1 0-1 0 0,15 27 1 0 0,-4-9 680 0 0,-15-18-1279 0 0,-1-1 1 0 0,0 1-1 0 0,0 0 0 0 0,-2 1 0 0 0,6 21 0 0 0,-7-26-93 0 0,0 3-7 0 0,0-1 0 0 0,-1 1 0 0 0,0-1 0 0 0,-1 1 0 0 0,-1 0 0 0 0,0 0 0 0 0,0 0 0 0 0,-1 0 0 0 0,-3 16 0 0 0,-2-17 0 0 0</inkml:trace>
+</inkml:ink>
+</file>
+
+<file path=ppt/ink/ink11.xml><?xml version="1.0" encoding="utf-8"?>
+<inkml:ink xmlns:inkml="http://www.w3.org/2003/InkML">
+  <inkml:definitions>
+    <inkml:context xml:id="ctx0">
+      <inkml:inkSource xml:id="inkSrc0">
+        <inkml:traceFormat>
+          <inkml:channel name="X" type="integer" min="-2.14748E9" max="2.14748E9" units="cm"/>
+          <inkml:channel name="Y" type="integer" min="-2.14748E9" max="2.14748E9" units="cm"/>
+          <inkml:channel name="F" type="integer" max="32767" units="dev"/>
+          <inkml:channel name="OA" type="integer" max="360" units="deg"/>
+          <inkml:channel name="OE" type="integer" max="90" units="deg"/>
+        </inkml:traceFormat>
+        <inkml:channelProperties>
+          <inkml:channelProperty channel="X" name="resolution" value="1000" units="1/cm"/>
+          <inkml:channelProperty channel="Y" name="resolution" value="1000" units="1/cm"/>
+          <inkml:channelProperty channel="F" name="resolution" value="0" units="1/dev"/>
+          <inkml:channelProperty channel="OA" name="resolution" value="1000" units="1/deg"/>
+          <inkml:channelProperty channel="OE" name="resolution" value="1000" units="1/deg"/>
+        </inkml:channelProperties>
+      </inkml:inkSource>
+      <inkml:timestamp xml:id="ts0" timeString="2021-09-29T18:00:11.680"/>
+    </inkml:context>
+    <inkml:brush xml:id="br0">
+      <inkml:brushProperty name="width" value="0.05" units="cm"/>
+      <inkml:brushProperty name="height" value="0.05" units="cm"/>
+    </inkml:brush>
+  </inkml:definitions>
+  <inkml:trace contextRef="#ctx0" brushRef="#br0">0 417 10135 0 0,'0'0'919'0'0,"0"-2"-759"0"0,1-3-527 0 0,0 0 0 0 0,0-1-1 0 0,0 1 1 0 0,1 0 0 0 0,0 0 0 0 0,0 0-1 0 0,0 0 1 0 0,0 0 0 0 0,1 1 0 0 0,0-1 0 0 0,0 1-1 0 0,0 0 1 0 0,1 0 0 0 0,-1 0 0 0 0,1 0-1 0 0,0 0 1 0 0,0 1 0 0 0,6-5 0 0 0,-8 7-157 0 0,21-12 3722 0 0,14 10 292 0 0,24 11-2634 0 0,-7 0-906 0 0,347-1 1411 0 0,-139-6-650 0 0,381 14-268 0 0,122-50 1162 0 0,-562 24-1605 0 0,207 17 0 0 0,-364-6 72 0 0,-44 0 299 0 0,-1 0-278 0 0,-1-1 1 0 0,1 0-1 0 0,-1 1 1 0 0,1-1-1 0 0,-1 1 1 0 0,0-1-1 0 0,1 0 1 0 0,-1 1-1 0 0,0-1 1 0 0,1 0-1 0 0,-1 1 1 0 0,0-1-1 0 0,0 0 1 0 0,1 0-1 0 0,-1 1 1 0 0,0-2-1 0 0,-2-6-91 0 0,0 0 0 0 0,-1-1 0 0 0,0 1 0 0 0,0 1 0 0 0,-1-1 0 0 0,0 0-1 0 0,0 1 1 0 0,-6-7 0 0 0,-49-55-3 0 0,8 9 1 0 0,42 49 0 0 0,4 3 0 0 0,-1 0 0 0 0,0 1 0 0 0,-1 0 0 0 0,1 0 0 0 0,-1 0 0 0 0,-1 1 0 0 0,1 0 0 0 0,-1 0 0 0 0,-14-7 0 0 0,22 13 0 0 0,0 0 0 0 0,-1 0 0 0 0,1-1 0 0 0,0 1 0 0 0,0 0 0 0 0,-1 0 0 0 0,1-1 0 0 0,0 1 0 0 0,-1 0 0 0 0,1 0 0 0 0,0 0 0 0 0,-1 0 0 0 0,1-1 0 0 0,0 1 0 0 0,-1 0 0 0 0,1 0 0 0 0,0 0 0 0 0,-1 0 0 0 0,1 0 0 0 0,-1 0 0 0 0,1 0 0 0 0,0 0 0 0 0,-1 0 0 0 0,1 0 0 0 0,0 0 0 0 0,-1 0 0 0 0,1 0 0 0 0,0 1 0 0 0,-1-1 0 0 0,1 0 0 0 0,0 0 0 0 0,-1 0 0 0 0,1 0 0 0 0,0 1 0 0 0,-1-1 0 0 0,1 0 0 0 0,0 0 0 0 0,-1 1 0 0 0,1-1 0 0 0,0 0 0 0 0,0 0 0 0 0,-1 1 0 0 0,1-1 0 0 0,0 0 0 0 0,0 1 0 0 0,0-1 0 0 0,0 0 0 0 0,-1 1 0 0 0,1-1 0 0 0,0 0 0 0 0,0 1 0 0 0,0-1 0 0 0,0 13 0 0 0,1-5 0 0 0,1-1 0 0 0,-1 1 0 0 0,1-1 0 0 0,1 0 0 0 0,0 1 0 0 0,0-1 0 0 0,0 0 0 0 0,1-1 0 0 0,-1 1 0 0 0,2 0 0 0 0,-1-1 0 0 0,1 0 0 0 0,0 0 0 0 0,10 8 0 0 0,2 2 0 0 0,0-2 0 0 0,1-1 0 0 0,35 20 0 0 0,-21-12 0 0 0,-31-20 0 0 0,1 0 0 0 0,-1 0 0 0 0,1 0 0 0 0,0 0 0 0 0,-1 1 0 0 0,0-1 0 0 0,1 1 0 0 0,-1-1 0 0 0,0 1 0 0 0,0-1 0 0 0,0 1 0 0 0,0 0 0 0 0,0-1 0 0 0,1 5 0 0 0,1 0 0 0 0,-2-3 0 0 0,1-1 0 0 0,-1 1 0 0 0,0-1 0 0 0,1 1 0 0 0,-1 0 0 0 0,0-1 0 0 0,-1 1 0 0 0,1 0 0 0 0,0 0 0 0 0,-1 0 0 0 0,0-1 0 0 0,0 1 0 0 0,0 0 0 0 0,0 0 0 0 0,0 0 0 0 0,0 0 0 0 0,-1 0 0 0 0,0 4 0 0 0,-2-2 0 0 0,1 1 0 0 0,-1-1 0 0 0,0 0 0 0 0,0 0 0 0 0,0 0 0 0 0,-6 6 0 0 0,-1 1 0 0 0,-8 10-16 0 0,0 0-1 0 0,-29 24 0 0 0,-18 20-809 0 0,37-32-671 0 0,-2 3-3962 0 0</inkml:trace>
+</inkml:ink>
+</file>
+
+<file path=ppt/ink/ink12.xml><?xml version="1.0" encoding="utf-8"?>
+<inkml:ink xmlns:inkml="http://www.w3.org/2003/InkML">
+  <inkml:definitions>
+    <inkml:context xml:id="ctx0">
+      <inkml:inkSource xml:id="inkSrc0">
+        <inkml:traceFormat>
+          <inkml:channel name="X" type="integer" min="-2.14748E9" max="2.14748E9" units="cm"/>
+          <inkml:channel name="Y" type="integer" min="-2.14748E9" max="2.14748E9" units="cm"/>
+          <inkml:channel name="F" type="integer" max="32767" units="dev"/>
+          <inkml:channel name="OA" type="integer" max="360" units="deg"/>
+          <inkml:channel name="OE" type="integer" max="90" units="deg"/>
+        </inkml:traceFormat>
+        <inkml:channelProperties>
+          <inkml:channelProperty channel="X" name="resolution" value="1000" units="1/cm"/>
+          <inkml:channelProperty channel="Y" name="resolution" value="1000" units="1/cm"/>
+          <inkml:channelProperty channel="F" name="resolution" value="0" units="1/dev"/>
+          <inkml:channelProperty channel="OA" name="resolution" value="1000" units="1/deg"/>
+          <inkml:channelProperty channel="OE" name="resolution" value="1000" units="1/deg"/>
+        </inkml:channelProperties>
+      </inkml:inkSource>
+      <inkml:timestamp xml:id="ts0" timeString="2021-09-29T18:00:12.738"/>
+    </inkml:context>
+    <inkml:brush xml:id="br0">
+      <inkml:brushProperty name="width" value="0.05" units="cm"/>
+      <inkml:brushProperty name="height" value="0.05" units="cm"/>
+    </inkml:brush>
+  </inkml:definitions>
+  <inkml:trace contextRef="#ctx0" brushRef="#br0">1559 423 11975 0 0,'-31'-39'342'0'0,"16"17"-104"0"0,-1 2 1 0 0,-2 0 0 0 0,-36-32-1 0 0,24 27-374 0 0,-8-6-480 0 0,0 2 0 0 0,-53-30 0 0 0,48 38 616 0 0,-1 1 0 0 0,-1 3 0 0 0,-1 1 0 0 0,0 2 0 0 0,-1 3 0 0 0,0 1 0 0 0,-1 3 0 0 0,-61-2 0 0 0,83 8 77 0 0,1 2 0 0 0,0 1-1 0 0,0 1 1 0 0,-1 1-1 0 0,2 2 1 0 0,-1 0 0 0 0,1 1-1 0 0,0 2 1 0 0,0 0-1 0 0,1 1 1 0 0,0 2 0 0 0,-24 16-1 0 0,20-10 35 0 0,1 2 0 0 0,0 1-1 0 0,1 1 1 0 0,2 1 0 0 0,0 1-1 0 0,2 1 1 0 0,0 0 0 0 0,-31 54-1 0 0,23-27-110 0 0,2 1 0 0 0,3 0 0 0 0,-26 87 0 0 0,39-101 0 0 0,2 2 0 0 0,1-1 0 0 0,3 1 0 0 0,1 0 0 0 0,3 77 0 0 0,4-76 0 0 0,2 0 0 0 0,1 0 0 0 0,3-1 0 0 0,1 0 0 0 0,2 0 0 0 0,2-2 0 0 0,1 1 0 0 0,2-2 0 0 0,2 0 0 0 0,1-1 0 0 0,2-1 0 0 0,47 58 0 0 0,-48-71 171 0 0,1-1 0 0 0,1-1-1 0 0,1-1 1 0 0,1-1 0 0 0,38 22-1 0 0,-22-18 172 0 0,0-2-1 0 0,88 30 0 0 0,-84-38-136 0 0,0-2 0 0 0,0-2 0 0 0,1-2-1 0 0,1-2 1 0 0,-1-2 0 0 0,0-2 0 0 0,1-2 0 0 0,-1-3-1 0 0,88-16 1 0 0,-102 11-205 0 0,-2-1 0 0 0,0-1 0 0 0,0-2 0 0 0,-1 0 0 0 0,0-2 0 0 0,-1-2 0 0 0,-1 0 0 0 0,-1-2 0 0 0,34-30 0 0 0,-12 7 0 0 0,82-91 0 0 0,-113 111 0 0 0,0 0 0 0 0,-2-1 0 0 0,0 0 0 0 0,-2-1 0 0 0,-1-1 0 0 0,0 0 0 0 0,7-29 0 0 0,-10 16 293 0 0,-1 0-1 0 0,-2-1 1 0 0,-2 1 0 0 0,-2-1-1 0 0,-1 0 1 0 0,-9-76-1 0 0,5 97-292 0 0,0 0 0 0 0,-1 1 0 0 0,0-1 0 0 0,-1 1 0 0 0,-2 0 0 0 0,1 0 0 0 0,-2 1 0 0 0,-10-17 0 0 0,5 13 0 0 0,-1 0 0 0 0,-2 0 0 0 0,0 1 0 0 0,-1 1 0 0 0,-22-18 0 0 0,2 5 0 0 0,-74-45 0 0 0,-47-14 0 0 0,121 70 0 0 0,11 7 10 0 0,1 2-1 0 0,-2 1 1 0 0,1 1 0 0 0,-1 1-1 0 0,-1 1 1 0 0,1 2-1 0 0,-39-3 1 0 0,27 6-201 0 0,-1 1 1 0 0,0 2-1 0 0,0 1 1 0 0,-63 13-1 0 0,86-10 89 0 0,1 0 0 0 0,-1 1 0 0 0,1 0 0 0 0,0 1 0 0 0,1 1 0 0 0,0 1 0 0 0,0 0 0 0 0,0 1 1 0 0,-24 21-1 0 0,-2 9-652 0 0,-60 75 1 0 0,40-44-3733 0 0,29-36-482 0 0</inkml:trace>
+</inkml:ink>
+</file>
+
+<file path=ppt/ink/ink13.xml><?xml version="1.0" encoding="utf-8"?>
+<inkml:ink xmlns:inkml="http://www.w3.org/2003/InkML">
+  <inkml:definitions>
+    <inkml:context xml:id="ctx0">
+      <inkml:inkSource xml:id="inkSrc0">
+        <inkml:traceFormat>
+          <inkml:channel name="X" type="integer" min="-2.14748E9" max="2.14748E9" units="cm"/>
+          <inkml:channel name="Y" type="integer" min="-2.14748E9" max="2.14748E9" units="cm"/>
+          <inkml:channel name="F" type="integer" max="32767" units="dev"/>
+          <inkml:channel name="OA" type="integer" max="360" units="deg"/>
+          <inkml:channel name="OE" type="integer" max="90" units="deg"/>
+        </inkml:traceFormat>
+        <inkml:channelProperties>
+          <inkml:channelProperty channel="X" name="resolution" value="1000" units="1/cm"/>
+          <inkml:channelProperty channel="Y" name="resolution" value="1000" units="1/cm"/>
+          <inkml:channelProperty channel="F" name="resolution" value="0" units="1/dev"/>
+          <inkml:channelProperty channel="OA" name="resolution" value="1000" units="1/deg"/>
+          <inkml:channelProperty channel="OE" name="resolution" value="1000" units="1/deg"/>
+        </inkml:channelProperties>
+      </inkml:inkSource>
+      <inkml:timestamp xml:id="ts0" timeString="2021-09-29T18:00:13.395"/>
+    </inkml:context>
+    <inkml:brush xml:id="br0">
+      <inkml:brushProperty name="width" value="0.05" units="cm"/>
+      <inkml:brushProperty name="height" value="0.05" units="cm"/>
+    </inkml:brush>
+  </inkml:definitions>
+  <inkml:trace contextRef="#ctx0" brushRef="#br0">0 0 4607 0 0,'0'0'448'0'0</inkml:trace>
+</inkml:ink>
+</file>
+
+<file path=ppt/ink/ink2.xml><?xml version="1.0" encoding="utf-8"?>
+<inkml:ink xmlns:inkml="http://www.w3.org/2003/InkML">
+  <inkml:definitions>
+    <inkml:context xml:id="ctx0">
+      <inkml:inkSource xml:id="inkSrc0">
+        <inkml:traceFormat>
+          <inkml:channel name="X" type="integer" min="-2.14748E9" max="2.14748E9" units="cm"/>
+          <inkml:channel name="Y" type="integer" min="-2.14748E9" max="2.14748E9" units="cm"/>
+          <inkml:channel name="F" type="integer" max="32767" units="dev"/>
+          <inkml:channel name="OA" type="integer" max="360" units="deg"/>
+          <inkml:channel name="OE" type="integer" max="90" units="deg"/>
+        </inkml:traceFormat>
+        <inkml:channelProperties>
+          <inkml:channelProperty channel="X" name="resolution" value="1000" units="1/cm"/>
+          <inkml:channelProperty channel="Y" name="resolution" value="1000" units="1/cm"/>
+          <inkml:channelProperty channel="F" name="resolution" value="0" units="1/dev"/>
+          <inkml:channelProperty channel="OA" name="resolution" value="1000" units="1/deg"/>
+          <inkml:channelProperty channel="OE" name="resolution" value="1000" units="1/deg"/>
+        </inkml:channelProperties>
+      </inkml:inkSource>
+      <inkml:timestamp xml:id="ts0" timeString="2021-09-29T18:00:03.156"/>
+    </inkml:context>
+    <inkml:brush xml:id="br0">
+      <inkml:brushProperty name="width" value="0.05" units="cm"/>
+      <inkml:brushProperty name="height" value="0.05" units="cm"/>
+    </inkml:brush>
+  </inkml:definitions>
+  <inkml:trace contextRef="#ctx0" brushRef="#br0">1 1 13823 0 0,'0'0'672'0'0,"12"13"96"0"0,-4-5-696 0 0,2 0-72 0 0,4-1 0 0 0,3 0-6128 0 0</inkml:trace>
+</inkml:ink>
+</file>
+
+<file path=ppt/ink/ink3.xml><?xml version="1.0" encoding="utf-8"?>
+<inkml:ink xmlns:inkml="http://www.w3.org/2003/InkML">
+  <inkml:definitions>
+    <inkml:context xml:id="ctx0">
+      <inkml:inkSource xml:id="inkSrc0">
+        <inkml:traceFormat>
+          <inkml:channel name="X" type="integer" min="-2.14748E9" max="2.14748E9" units="cm"/>
+          <inkml:channel name="Y" type="integer" min="-2.14748E9" max="2.14748E9" units="cm"/>
+          <inkml:channel name="F" type="integer" max="32767" units="dev"/>
+          <inkml:channel name="OA" type="integer" max="360" units="deg"/>
+          <inkml:channel name="OE" type="integer" max="90" units="deg"/>
+        </inkml:traceFormat>
+        <inkml:channelProperties>
+          <inkml:channelProperty channel="X" name="resolution" value="1000" units="1/cm"/>
+          <inkml:channelProperty channel="Y" name="resolution" value="1000" units="1/cm"/>
+          <inkml:channelProperty channel="F" name="resolution" value="0" units="1/dev"/>
+          <inkml:channelProperty channel="OA" name="resolution" value="1000" units="1/deg"/>
+          <inkml:channelProperty channel="OE" name="resolution" value="1000" units="1/deg"/>
+        </inkml:channelProperties>
+      </inkml:inkSource>
+      <inkml:timestamp xml:id="ts0" timeString="2021-09-29T18:00:06.797"/>
+    </inkml:context>
+    <inkml:brush xml:id="br0">
+      <inkml:brushProperty name="width" value="0.05" units="cm"/>
+      <inkml:brushProperty name="height" value="0.05" units="cm"/>
+    </inkml:brush>
+  </inkml:definitions>
+  <inkml:trace contextRef="#ctx0" brushRef="#br0">0 204 4607 0 0,'0'0'352'0'0,"22"3"-224"0"0,189 5 946 0 0,-13-1-100 0 0,-97-9-974 0 0,-10-1 0 0 0,352 18 2048 0 0,-343-7-2048 0 0,-56-3 0 0 0,74-2 0 0 0,-52-7 0 0 0,113-21 0 0 0,-38-14 0 0 0,-129 35 0 0 0,0 1 0 0 0,0 1 0 0 0,1 0 0 0 0,-1 1 0 0 0,1 0 0 0 0,15 2 0 0 0,17-2 0 0 0,-41 0 0 0 0,11 4 0 0 0,-12-2 0 0 0,5 1 0 0 0,-15 4 0 0 0,-5-3 0 0 0,0-2 0 0 0,0 0 0 0 0,0 0 0 0 0,-1-1 0 0 0,0 0 0 0 0,0 0 0 0 0,-2 0 0 0 0,8-2 0 0 0,-9-6 0 0 0,12 6 134 0 0,0-1-1 0 0,0 1 1 0 0,0-1-1 0 0,0 0 1 0 0,1 0-1 0 0,-1-1 0 0 0,1 1 1 0 0,0-1-1 0 0,0 1 1 0 0,0-1-1 0 0,-3-6 1 0 0,-18-22 312 0 0,2 5-446 0 0,-31-29 0 0 0,39 41 450 0 0,23 25 443 0 0,7 4-188 0 0,5 4-705 0 0,32 36 0 0 0,-5-5 0 0 0,-41-42 0 0 0,-1-2 0 0 0,0 0 0 0 0,0 0 0 0 0,1 0 0 0 0,0-1 0 0 0,0 0 0 0 0,0 0 0 0 0,14 5 0 0 0,-4 0 706 0 0,-17-9-685 0 0,0 0-1 0 0,1 0 0 0 0,-1 0 0 0 0,0 0 0 0 0,0 0 0 0 0,0 1 1 0 0,0-1-1 0 0,0 0 0 0 0,0 0 0 0 0,0 0 0 0 0,0 0 0 0 0,0 0 0 0 0,0 0 1 0 0,0 0-1 0 0,0 1 0 0 0,0-1 0 0 0,0 0 0 0 0,0 0 0 0 0,0 0 1 0 0,0 0-1 0 0,0 0 0 0 0,0 0 0 0 0,0 0 0 0 0,0 0 0 0 0,-1 0 1 0 0,1 1-1 0 0,0-1 0 0 0,0 0 0 0 0,0 0 0 0 0,0 0 0 0 0,0 0 1 0 0,0 0-1 0 0,0 0 0 0 0,0 0 0 0 0,0 0 0 0 0,0 0 0 0 0,0 0 0 0 0,-1 0 1 0 0,1 0-1 0 0,0 0 0 0 0,0 1 0 0 0,0-1 0 0 0,0 0 0 0 0,0 0 1 0 0,0 0-1 0 0,0 0 0 0 0,0 0 0 0 0,-1 0 0 0 0,1 0 0 0 0,0 0 1 0 0,0 0-1 0 0,0 0 0 0 0,0 0 0 0 0,0 0 0 0 0,-5 2 213 0 0,-46 35-672 0 0,3 3 1 0 0,-46 46-1 0 0,82-75 371 0 0,-37 36-444 0 0</inkml:trace>
+</inkml:ink>
+</file>
+
+<file path=ppt/ink/ink4.xml><?xml version="1.0" encoding="utf-8"?>
+<inkml:ink xmlns:inkml="http://www.w3.org/2003/InkML">
+  <inkml:definitions>
+    <inkml:context xml:id="ctx0">
+      <inkml:inkSource xml:id="inkSrc0">
+        <inkml:traceFormat>
+          <inkml:channel name="X" type="integer" min="-2.14748E9" max="2.14748E9" units="cm"/>
+          <inkml:channel name="Y" type="integer" min="-2.14748E9" max="2.14748E9" units="cm"/>
+          <inkml:channel name="F" type="integer" max="32767" units="dev"/>
+          <inkml:channel name="OA" type="integer" max="360" units="deg"/>
+          <inkml:channel name="OE" type="integer" max="90" units="deg"/>
+        </inkml:traceFormat>
+        <inkml:channelProperties>
+          <inkml:channelProperty channel="X" name="resolution" value="1000" units="1/cm"/>
+          <inkml:channelProperty channel="Y" name="resolution" value="1000" units="1/cm"/>
+          <inkml:channelProperty channel="F" name="resolution" value="0" units="1/dev"/>
+          <inkml:channelProperty channel="OA" name="resolution" value="1000" units="1/deg"/>
+          <inkml:channelProperty channel="OE" name="resolution" value="1000" units="1/deg"/>
+        </inkml:channelProperties>
+      </inkml:inkSource>
+      <inkml:timestamp xml:id="ts0" timeString="2021-09-29T18:00:07.155"/>
+    </inkml:context>
+    <inkml:brush xml:id="br0">
+      <inkml:brushProperty name="width" value="0.05" units="cm"/>
+      <inkml:brushProperty name="height" value="0.05" units="cm"/>
+    </inkml:brush>
+  </inkml:definitions>
+  <inkml:trace contextRef="#ctx0" brushRef="#br0">1 37 4607 0 0,'0'0'448'0'0,"12"-9"-448"0"0,11-3 0 0 0,-6-3 0 0 0</inkml:trace>
+</inkml:ink>
+</file>
+
+<file path=ppt/ink/ink5.xml><?xml version="1.0" encoding="utf-8"?>
+<inkml:ink xmlns:inkml="http://www.w3.org/2003/InkML">
+  <inkml:definitions>
+    <inkml:context xml:id="ctx0">
+      <inkml:inkSource xml:id="inkSrc0">
+        <inkml:traceFormat>
+          <inkml:channel name="X" type="integer" min="-2.14748E9" max="2.14748E9" units="cm"/>
+          <inkml:channel name="Y" type="integer" min="-2.14748E9" max="2.14748E9" units="cm"/>
+          <inkml:channel name="F" type="integer" max="32767" units="dev"/>
+          <inkml:channel name="OA" type="integer" max="360" units="deg"/>
+          <inkml:channel name="OE" type="integer" max="90" units="deg"/>
+        </inkml:traceFormat>
+        <inkml:channelProperties>
+          <inkml:channelProperty channel="X" name="resolution" value="1000" units="1/cm"/>
+          <inkml:channelProperty channel="Y" name="resolution" value="1000" units="1/cm"/>
+          <inkml:channelProperty channel="F" name="resolution" value="0" units="1/dev"/>
+          <inkml:channelProperty channel="OA" name="resolution" value="1000" units="1/deg"/>
+          <inkml:channelProperty channel="OE" name="resolution" value="1000" units="1/deg"/>
+        </inkml:channelProperties>
+      </inkml:inkSource>
+      <inkml:timestamp xml:id="ts0" timeString="2021-09-29T18:00:07.605"/>
+    </inkml:context>
+    <inkml:brush xml:id="br0">
+      <inkml:brushProperty name="width" value="0.05" units="cm"/>
+      <inkml:brushProperty name="height" value="0.05" units="cm"/>
+    </inkml:brush>
+  </inkml:definitions>
+  <inkml:trace contextRef="#ctx0" brushRef="#br0">1 448 8287 0 0,'29'6'251'0'0,"0"0"1"0"0,46 1-1 0 0,-33-3-141 0 0,0-2-110 0 0,0-2 0 0 0,0-2 0 0 0,0-1 0 0 0,77-17 0 0 0,455-64 1012 0 0,4 36 54 0 0,-556 47-1064 0 0,316-14-2 0 0,-229 11 0 0 0,-27 6 2032 0 0,-82-2-2030 0 0,1 0 0 0 0,-1 0-1 0 0,1 0 1 0 0,-1 0 0 0 0,0 0-1 0 0,1 0 1 0 0,-1 0 0 0 0,0 0 0 0 0,1 0-1 0 0,-1 0 1 0 0,0 0 0 0 0,1-1-1 0 0,-1 1 1 0 0,0 0 0 0 0,0 0-1 0 0,1 0 1 0 0,-1 0 0 0 0,0-1-1 0 0,1 1 1 0 0,-1 0 0 0 0,0 0 0 0 0,0 0-1 0 0,1-1 1 0 0,-1 1 0 0 0,0 0-1 0 0,0-1 1 0 0,0 1 0 0 0,1 0-1 0 0,-1 0 1 0 0,0-1 0 0 0,0 1-1 0 0,0 0 1 0 0,0-1 0 0 0,0 1 0 0 0,0 0-1 0 0,0-1 1 0 0,1 1 0 0 0,-1 0-1 0 0,0-1 1 0 0,0 1 0 0 0,0 0-1 0 0,0-1 1 0 0,-1 1 0 0 0,1 0-1 0 0,0-1 1 0 0,-4-12 309 0 0,3 13-241 0 0,-15-30 286 0 0,-1 1 0 0 0,-2 2 0 0 0,-21-27 0 0 0,9 14-175 0 0,23 28-181 0 0,-1 1 0 0 0,-1 0 0 0 0,0 0 0 0 0,-1 1 0 0 0,0 1 0 0 0,-21-15 0 0 0,21 18 0 0 0,6 5 0 0 0,8 8 0 0 0,9 7 0 0 0,18 9 0 0 0,1 0 0 0 0,1-3 0 0 0,39 20 0 0 0,0 0 0 0 0,-38-20 360 0 0,-1 1 0 0 0,0 1 0 0 0,38 37 0 0 0,-68-58-334 0 0,0 1-1 0 0,0-1 1 0 0,-1 1 0 0 0,1 0-1 0 0,0 0 1 0 0,-1 0 0 0 0,1 0-1 0 0,-1 0 1 0 0,0 0-1 0 0,0 1 1 0 0,0-1 0 0 0,0 0-1 0 0,0 1 1 0 0,0-1 0 0 0,-1 1-1 0 0,1-1 1 0 0,-1 0-1 0 0,0 1 1 0 0,1-1 0 0 0,-1 1-1 0 0,0-1 1 0 0,-1 1 0 0 0,1-1-1 0 0,0 1 1 0 0,-2 4-1 0 0,0-3-33 0 0,0 0-1 0 0,-1-1 0 0 0,1 1 1 0 0,-1 0-1 0 0,0-1 0 0 0,0 0 0 0 0,0 1 1 0 0,0-1-1 0 0,-1-1 0 0 0,1 1 0 0 0,-1 0 1 0 0,1-1-1 0 0,-9 4 0 0 0,-113 63-1311 0 0,64-37 808 0 0</inkml:trace>
+</inkml:ink>
+</file>
+
+<file path=ppt/ink/ink6.xml><?xml version="1.0" encoding="utf-8"?>
+<inkml:ink xmlns:inkml="http://www.w3.org/2003/InkML">
+  <inkml:definitions>
+    <inkml:context xml:id="ctx0">
+      <inkml:inkSource xml:id="inkSrc0">
+        <inkml:traceFormat>
+          <inkml:channel name="X" type="integer" min="-2.14748E9" max="2.14748E9" units="cm"/>
+          <inkml:channel name="Y" type="integer" min="-2.14748E9" max="2.14748E9" units="cm"/>
+          <inkml:channel name="F" type="integer" max="32767" units="dev"/>
+          <inkml:channel name="OA" type="integer" max="360" units="deg"/>
+          <inkml:channel name="OE" type="integer" max="90" units="deg"/>
+        </inkml:traceFormat>
+        <inkml:channelProperties>
+          <inkml:channelProperty channel="X" name="resolution" value="1000" units="1/cm"/>
+          <inkml:channelProperty channel="Y" name="resolution" value="1000" units="1/cm"/>
+          <inkml:channelProperty channel="F" name="resolution" value="0" units="1/dev"/>
+          <inkml:channelProperty channel="OA" name="resolution" value="1000" units="1/deg"/>
+          <inkml:channelProperty channel="OE" name="resolution" value="1000" units="1/deg"/>
+        </inkml:channelProperties>
+      </inkml:inkSource>
+      <inkml:timestamp xml:id="ts0" timeString="2021-09-29T18:00:09.137"/>
+    </inkml:context>
+    <inkml:brush xml:id="br0">
+      <inkml:brushProperty name="width" value="0.05" units="cm"/>
+      <inkml:brushProperty name="height" value="0.05" units="cm"/>
+    </inkml:brush>
+  </inkml:definitions>
+  <inkml:trace contextRef="#ctx0" brushRef="#br0">329 94 6447 0 0,'0'0'306'0'0,"-1"-2"-129"0"0,-6-8-20 0 0,6 7-74 0 0,-1-1 0 0 0,1 1 0 0 0,0 0 0 0 0,0-1 0 0 0,1 1 0 0 0,-1 0 0 0 0,1-1-1 0 0,-1 1 1 0 0,1-5 0 0 0,0 6-19 0 0,0 0 0 0 0,0 0 0 0 0,0 0-1 0 0,0 0 1 0 0,0 0 0 0 0,-1 0 0 0 0,1 0-1 0 0,-1 0 1 0 0,1 0 0 0 0,-1 0 0 0 0,0 0-1 0 0,0 1 1 0 0,0-1 0 0 0,0 0 0 0 0,0 1 0 0 0,0-1-1 0 0,0 1 1 0 0,-1-1 0 0 0,1 1 0 0 0,-2-3-1 0 0,2 4-6 0 0,0-1 0 0 0,0 1 0 0 0,0-1 0 0 0,-1 1 0 0 0,1 0 0 0 0,0-1 0 0 0,0 1 0 0 0,0 0-1 0 0,0 0 1 0 0,0-1 0 0 0,0 1 0 0 0,-1 0 0 0 0,1 0 0 0 0,0 0 0 0 0,0 1 0 0 0,0-1 0 0 0,0 0 0 0 0,-2 1-1 0 0,-21 6 564 0 0,22-6-510 0 0,-7 2-87 0 0,1 1-1 0 0,0 0 1 0 0,0 1 0 0 0,0-1-1 0 0,1 2 1 0 0,0-1 0 0 0,-10 10-1 0 0,-42 50-52 0 0,36-40 44 0 0,11-12-14 0 0,1 1 0 0 0,0 0 0 0 0,0 0 0 0 0,1 1 0 0 0,1 1 0 0 0,1 0 0 0 0,-13 32 0 0 0,21-47 0 0 0,0 0 0 0 0,-1 0 0 0 0,1 1 0 0 0,0-1 0 0 0,0 0 0 0 0,0 0 0 0 0,1 1 0 0 0,-1-1 0 0 0,0 0 0 0 0,0 0 0 0 0,1 1 0 0 0,-1-1 0 0 0,1 0 0 0 0,-1 0 0 0 0,1 0 0 0 0,-1 0 0 0 0,1 0 0 0 0,0 0 0 0 0,-1 0 0 0 0,1 0 0 0 0,0 0 0 0 0,0 0 0 0 0,0 0 0 0 0,0 0 0 0 0,0 0 0 0 0,0-1 0 0 0,0 1 0 0 0,0 0 0 0 0,0-1 0 0 0,0 1 0 0 0,0-1 0 0 0,1 1 0 0 0,-1-1 0 0 0,0 1 0 0 0,0-1 0 0 0,0 0 0 0 0,1 0 0 0 0,1 0 0 0 0,0 1 0 0 0,31 9 0 0 0,-4-2 0 0 0,44 18 0 0 0,-66-23 0 0 0,-1 1 0 0 0,1 0 0 0 0,-1 0 0 0 0,1 1 0 0 0,-1 0 0 0 0,0 0 0 0 0,-1 1 0 0 0,1 0 0 0 0,-1 0 0 0 0,6 8 0 0 0,-8-7 0 0 0,-1-1 0 0 0,1 1 0 0 0,-1-1 0 0 0,-1 1 0 0 0,1 0 0 0 0,-1 0 0 0 0,-1 0 0 0 0,1 0 0 0 0,-1 0 0 0 0,0 0 0 0 0,0 10 0 0 0,-1-15 61 0 0,0 0 0 0 0,0 1 0 0 0,0-1 0 0 0,0 0-1 0 0,-1 1 1 0 0,1-1 0 0 0,0 0 0 0 0,-1 0-1 0 0,0 1 1 0 0,1-1 0 0 0,-1 0 0 0 0,0 0 0 0 0,0 0-1 0 0,0 0 1 0 0,0 0 0 0 0,-1 0 0 0 0,1 0 0 0 0,-2 2-1 0 0,0-1 225 0 0,0 0 158 0 0,-1-1-540 0 0,0 1 0 0 0,0-1 0 0 0,0 0 0 0 0,-1 0 0 0 0,1-1 1 0 0,-1 1-1 0 0,0-1 0 0 0,1 0 0 0 0,-1 0 0 0 0,0 0 0 0 0,1-1 0 0 0,-1 0 0 0 0,0 0 0 0 0,0 0 0 0 0,0 0 0 0 0,1-1 1 0 0,-1 0-1 0 0,-4-1 0 0 0,-25-1-817 0 0,14 3 397 0 0,-57 6-1526 0 0,61-4 1531 0 0</inkml:trace>
+</inkml:ink>
+</file>
+
+<file path=ppt/ink/ink7.xml><?xml version="1.0" encoding="utf-8"?>
+<inkml:ink xmlns:inkml="http://www.w3.org/2003/InkML">
+  <inkml:definitions>
+    <inkml:context xml:id="ctx0">
+      <inkml:inkSource xml:id="inkSrc0">
+        <inkml:traceFormat>
+          <inkml:channel name="X" type="integer" min="-2.14748E9" max="2.14748E9" units="cm"/>
+          <inkml:channel name="Y" type="integer" min="-2.14748E9" max="2.14748E9" units="cm"/>
+          <inkml:channel name="F" type="integer" max="32767" units="dev"/>
+          <inkml:channel name="OA" type="integer" max="360" units="deg"/>
+          <inkml:channel name="OE" type="integer" max="90" units="deg"/>
+        </inkml:traceFormat>
+        <inkml:channelProperties>
+          <inkml:channelProperty channel="X" name="resolution" value="1000" units="1/cm"/>
+          <inkml:channelProperty channel="Y" name="resolution" value="1000" units="1/cm"/>
+          <inkml:channelProperty channel="F" name="resolution" value="0" units="1/dev"/>
+          <inkml:channelProperty channel="OA" name="resolution" value="1000" units="1/deg"/>
+          <inkml:channelProperty channel="OE" name="resolution" value="1000" units="1/deg"/>
+        </inkml:channelProperties>
+      </inkml:inkSource>
+      <inkml:timestamp xml:id="ts0" timeString="2021-09-29T18:00:09.559"/>
+    </inkml:context>
+    <inkml:brush xml:id="br0">
+      <inkml:brushProperty name="width" value="0.05" units="cm"/>
+      <inkml:brushProperty name="height" value="0.05" units="cm"/>
+    </inkml:brush>
+  </inkml:definitions>
+  <inkml:trace contextRef="#ctx0" brushRef="#br0">0 164 10135 0 0,'0'-2'231'0'0,"1"-8"-99"0"0,-1 0 1 0 0,2 0-1 0 0,-1 0 1 0 0,1 1-1 0 0,1-1 0 0 0,0 1 1 0 0,6-15-1 0 0,-6 18-566 0 0,0-1 1 0 0,1 1-1 0 0,0 0 0 0 0,8-10 0 0 0,-9 13-465 0 0,0 0 1 0 0,1-1-1 0 0,0 1 0 0 0,-1 0 0 0 0,1 1 1 0 0,0-1-1 0 0,8-3 0 0 0,-10 5 986 0 0,-1 1-1 0 0,1 0 0 0 0,-1 0 1 0 0,1 0-1 0 0,-1-1 1 0 0,0 1-1 0 0,1 0 0 0 0,-1 1 1 0 0,1-1-1 0 0,-1 0 1 0 0,1 0-1 0 0,-1 1 0 0 0,0-1 1 0 0,1 1-1 0 0,-1-1 1 0 0,0 1-1 0 0,1-1 0 0 0,-1 1 1 0 0,0 0-1 0 0,0 0 1 0 0,1-1-1 0 0,-1 1 0 0 0,0 0 1 0 0,0 0-1 0 0,0 0 1 0 0,0 1-1 0 0,0-1 0 0 0,1 2 1 0 0,2 2 724 0 0,0 1 0 0 0,-1 0-1 0 0,1 0 1 0 0,2 7 0 0 0,4 18-715 0 0,-1 0-1 0 0,-1 0 1 0 0,-2 0-1 0 0,-1 1 1 0 0,0 41-1 0 0,0 5-95 0 0,-5-66 0 0 0,-3-3-66 0 0,3-7-282 0 0,-11-13-2838 0 0,2-1 762 0 0</inkml:trace>
+</inkml:ink>
+</file>
+
+<file path=ppt/ink/ink8.xml><?xml version="1.0" encoding="utf-8"?>
+<inkml:ink xmlns:inkml="http://www.w3.org/2003/InkML">
+  <inkml:definitions>
+    <inkml:context xml:id="ctx0">
+      <inkml:inkSource xml:id="inkSrc0">
+        <inkml:traceFormat>
+          <inkml:channel name="X" type="integer" min="-2.14748E9" max="2.14748E9" units="cm"/>
+          <inkml:channel name="Y" type="integer" min="-2.14748E9" max="2.14748E9" units="cm"/>
+          <inkml:channel name="F" type="integer" max="32767" units="dev"/>
+          <inkml:channel name="OA" type="integer" max="360" units="deg"/>
+          <inkml:channel name="OE" type="integer" max="90" units="deg"/>
+        </inkml:traceFormat>
+        <inkml:channelProperties>
+          <inkml:channelProperty channel="X" name="resolution" value="1000" units="1/cm"/>
+          <inkml:channelProperty channel="Y" name="resolution" value="1000" units="1/cm"/>
+          <inkml:channelProperty channel="F" name="resolution" value="0" units="1/dev"/>
+          <inkml:channelProperty channel="OA" name="resolution" value="1000" units="1/deg"/>
+          <inkml:channelProperty channel="OE" name="resolution" value="1000" units="1/deg"/>
+        </inkml:channelProperties>
+      </inkml:inkSource>
+      <inkml:timestamp xml:id="ts0" timeString="2021-09-29T18:00:09.900"/>
+    </inkml:context>
+    <inkml:brush xml:id="br0">
+      <inkml:brushProperty name="width" value="0.05" units="cm"/>
+      <inkml:brushProperty name="height" value="0.05" units="cm"/>
+    </inkml:brush>
+  </inkml:definitions>
+  <inkml:trace contextRef="#ctx0" brushRef="#br0">0 0 2759 0 0,'0'0'0'0'0,"11"3"112"0"0,3-1-32 0 0,-1-2 16 0 0,4 0-96 0 0</inkml:trace>
+  <inkml:trace contextRef="#ctx0" brushRef="#br0" timeOffset="1">322 81 11975 0 0,'0'0'1296'0'0,"11"-6"-2088"0"0,0-1-184 0 0,7-4-40 0 0,-4 2-8 0 0</inkml:trace>
+</inkml:ink>
+</file>
+
+<file path=ppt/ink/ink9.xml><?xml version="1.0" encoding="utf-8"?>
+<inkml:ink xmlns:inkml="http://www.w3.org/2003/InkML">
+  <inkml:definitions>
+    <inkml:context xml:id="ctx0">
+      <inkml:inkSource xml:id="inkSrc0">
+        <inkml:traceFormat>
+          <inkml:channel name="X" type="integer" min="-2.14748E9" max="2.14748E9" units="cm"/>
+          <inkml:channel name="Y" type="integer" min="-2.14748E9" max="2.14748E9" units="cm"/>
+          <inkml:channel name="F" type="integer" max="32767" units="dev"/>
+          <inkml:channel name="OA" type="integer" max="360" units="deg"/>
+          <inkml:channel name="OE" type="integer" max="90" units="deg"/>
+        </inkml:traceFormat>
+        <inkml:channelProperties>
+          <inkml:channelProperty channel="X" name="resolution" value="1000" units="1/cm"/>
+          <inkml:channelProperty channel="Y" name="resolution" value="1000" units="1/cm"/>
+          <inkml:channelProperty channel="F" name="resolution" value="0" units="1/dev"/>
+          <inkml:channelProperty channel="OA" name="resolution" value="1000" units="1/deg"/>
+          <inkml:channelProperty channel="OE" name="resolution" value="1000" units="1/deg"/>
+        </inkml:channelProperties>
+      </inkml:inkSource>
+      <inkml:timestamp xml:id="ts0" timeString="2021-09-29T18:00:10.293"/>
+    </inkml:context>
+    <inkml:brush xml:id="br0">
+      <inkml:brushProperty name="width" value="0.05" units="cm"/>
+      <inkml:brushProperty name="height" value="0.05" units="cm"/>
+    </inkml:brush>
+  </inkml:definitions>
+  <inkml:trace contextRef="#ctx0" brushRef="#br0">143 35 8287 0 0,'0'0'634'0'0,"1"-2"-442"0"0,2-6-214 0 0,-3 6-298 0 0,-11-7-1290 0 0,8 6 1683 0 0,-18-3-558 0 0,17 5 322 0 0,2 0 87 0 0,0 1 0 0 0,0-1 0 0 0,0 0 0 0 0,0 1 0 0 0,0 0 0 0 0,-1 0 0 0 0,1-1 0 0 0,0 1 0 0 0,0 0 1 0 0,0 1-1 0 0,0-1 0 0 0,0 0 0 0 0,0 1 0 0 0,0-1 0 0 0,0 1 0 0 0,0-1 0 0 0,0 1 0 0 0,-3 1 0 0 0,-15 8 478 0 0,19-9 72 0 0,-1 0 34 0 0,-40 22 2132 0 0,43-23-2639 0 0,-1 0-1 0 0,0 0 0 0 0,0 0 0 0 0,0 0 1 0 0,0 0-1 0 0,0 0 0 0 0,0 0 0 0 0,0 0 1 0 0,0 0-1 0 0,0 0 0 0 0,0 0 0 0 0,0 0 1 0 0,0 0-1 0 0,0 0 0 0 0,0 0 0 0 0,0 0 1 0 0,0 0-1 0 0,0 1 0 0 0,0-1 0 0 0,0 0 1 0 0,0 0-1 0 0,0 0 0 0 0,0 0 0 0 0,0 0 1 0 0,0 0-1 0 0,0 0 0 0 0,0 0 0 0 0,0 0 0 0 0,0 0 1 0 0,0 0-1 0 0,0 0 0 0 0,0 0 0 0 0,0 0 1 0 0,0 0-1 0 0,0 1 0 0 0,0-1 0 0 0,0 0 1 0 0,0 0-1 0 0,0 0 0 0 0,0 0 0 0 0,0 0 1 0 0,0 0-1 0 0,0 0 0 0 0,0 0 0 0 0,0 0 1 0 0,0 0-1 0 0,0 0 0 0 0,0 0 0 0 0,0 0 1 0 0,0 0-1 0 0,0 0 0 0 0,-1 0 0 0 0,1 0 1 0 0,0 0-1 0 0,0 0 0 0 0,0 0 0 0 0,0 0 1 0 0,0 0-1 0 0,0 0 0 0 0,0 0 0 0 0,0 0 1 0 0,0 0-1 0 0,0 0 0 0 0,0 0 0 0 0,8 2 4 0 0,11-1-8 0 0,-15-2 4 0 0,1 0 0 0 0,0 0 0 0 0,-1 0 0 0 0,1-1 0 0 0,-1 0 0 0 0,6-2 0 0 0,40-15 0 0 0,-39 16 0 0 0,-1-2 0 0 0,-2-2 0 0 0</inkml:trace>
+</inkml:ink>
 </file>
 
 <file path=ppt/slideLayouts/slideLayout1.xml><?xml version="1.0" encoding="utf-8"?>
@@ -3916,7 +4320,7 @@
                   <a:srgbClr val="FFFFFF"/>
                 </a:solidFill>
               </a:rPr>
-              <a:t>Natural Language Processing Workshop</a:t>
+              <a:t>Recurrent Neural Networks</a:t>
             </a:r>
             <a:br>
               <a:rPr lang="en-US" sz="4800" b="1" dirty="0">
@@ -3925,6 +4329,14 @@
                 </a:solidFill>
               </a:rPr>
             </a:br>
+            <a:r>
+              <a:rPr lang="en-US" sz="4800" b="1" dirty="0">
+                <a:solidFill>
+                  <a:srgbClr val="FFFFFF"/>
+                </a:solidFill>
+              </a:rPr>
+              <a:t>Long-Term Short-Term Memory</a:t>
+            </a:r>
             <a:endParaRPr lang="en-GB" sz="4800" dirty="0">
               <a:solidFill>
                 <a:srgbClr val="FFFFFF"/>
@@ -4407,7 +4819,7 @@
               </a:spcAft>
             </a:pPr>
             <a:r>
-              <a:rPr lang="en-US" sz="3600" b="1" kern="1200">
+              <a:rPr lang="en-US" sz="3600" b="1" kern="1200" dirty="0">
                 <a:solidFill>
                   <a:schemeClr val="tx1"/>
                 </a:solidFill>
@@ -5227,6 +5639,711 @@
           </a:prstGeom>
         </p:spPr>
       </p:pic>
+      <p:grpSp>
+        <p:nvGrpSpPr>
+          <p:cNvPr id="4" name="Group 3">
+            <a:extLst>
+              <a:ext uri="{FF2B5EF4-FFF2-40B4-BE49-F238E27FC236}">
+                <a16:creationId xmlns:a16="http://schemas.microsoft.com/office/drawing/2014/main" id="{8C18B057-A6DC-4EFA-B0E7-A21225DF3202}"/>
+              </a:ext>
+            </a:extLst>
+          </p:cNvPr>
+          <p:cNvGrpSpPr/>
+          <p:nvPr/>
+        </p:nvGrpSpPr>
+        <p:grpSpPr>
+          <a:xfrm>
+            <a:off x="7520958" y="3302591"/>
+            <a:ext cx="424080" cy="222480"/>
+            <a:chOff x="7520958" y="3302591"/>
+            <a:chExt cx="424080" cy="222480"/>
+          </a:xfrm>
+        </p:grpSpPr>
+        <mc:AlternateContent xmlns:mc="http://schemas.openxmlformats.org/markup-compatibility/2006">
+          <mc:Choice xmlns:p14="http://schemas.microsoft.com/office/powerpoint/2010/main" Requires="p14">
+            <p:contentPart p14:bwMode="auto" r:id="rId4">
+              <p14:nvContentPartPr>
+                <p14:cNvPr id="2" name="Ink 1">
+                  <a:extLst>
+                    <a:ext uri="{FF2B5EF4-FFF2-40B4-BE49-F238E27FC236}">
+                      <a16:creationId xmlns:a16="http://schemas.microsoft.com/office/drawing/2014/main" id="{F482DCA1-5BA6-47EE-AF75-A1DBC341AF3D}"/>
+                    </a:ext>
+                  </a:extLst>
+                </p14:cNvPr>
+                <p14:cNvContentPartPr/>
+                <p14:nvPr/>
+              </p14:nvContentPartPr>
+              <p14:xfrm>
+                <a:off x="7520958" y="3302591"/>
+                <a:ext cx="332640" cy="222480"/>
+              </p14:xfrm>
+            </p:contentPart>
+          </mc:Choice>
+          <mc:Fallback>
+            <p:pic>
+              <p:nvPicPr>
+                <p:cNvPr id="2" name="Ink 1">
+                  <a:extLst>
+                    <a:ext uri="{FF2B5EF4-FFF2-40B4-BE49-F238E27FC236}">
+                      <a16:creationId xmlns:a16="http://schemas.microsoft.com/office/drawing/2014/main" id="{F482DCA1-5BA6-47EE-AF75-A1DBC341AF3D}"/>
+                    </a:ext>
+                  </a:extLst>
+                </p:cNvPr>
+                <p:cNvPicPr/>
+                <p:nvPr/>
+              </p:nvPicPr>
+              <p:blipFill>
+                <a:blip r:embed="rId5"/>
+                <a:stretch>
+                  <a:fillRect/>
+                </a:stretch>
+              </p:blipFill>
+              <p:spPr>
+                <a:xfrm>
+                  <a:off x="7511958" y="3293951"/>
+                  <a:ext cx="350280" cy="240120"/>
+                </a:xfrm>
+                <a:prstGeom prst="rect">
+                  <a:avLst/>
+                </a:prstGeom>
+              </p:spPr>
+            </p:pic>
+          </mc:Fallback>
+        </mc:AlternateContent>
+        <mc:AlternateContent xmlns:mc="http://schemas.openxmlformats.org/markup-compatibility/2006">
+          <mc:Choice xmlns:p14="http://schemas.microsoft.com/office/powerpoint/2010/main" Requires="p14">
+            <p:contentPart p14:bwMode="auto" r:id="rId6">
+              <p14:nvContentPartPr>
+                <p14:cNvPr id="3" name="Ink 2">
+                  <a:extLst>
+                    <a:ext uri="{FF2B5EF4-FFF2-40B4-BE49-F238E27FC236}">
+                      <a16:creationId xmlns:a16="http://schemas.microsoft.com/office/drawing/2014/main" id="{9A357CDB-73F7-4C13-AEEC-543AEF9355CD}"/>
+                    </a:ext>
+                  </a:extLst>
+                </p14:cNvPr>
+                <p14:cNvContentPartPr/>
+                <p14:nvPr/>
+              </p14:nvContentPartPr>
+              <p14:xfrm>
+                <a:off x="7922718" y="3462791"/>
+                <a:ext cx="22320" cy="15840"/>
+              </p14:xfrm>
+            </p:contentPart>
+          </mc:Choice>
+          <mc:Fallback>
+            <p:pic>
+              <p:nvPicPr>
+                <p:cNvPr id="3" name="Ink 2">
+                  <a:extLst>
+                    <a:ext uri="{FF2B5EF4-FFF2-40B4-BE49-F238E27FC236}">
+                      <a16:creationId xmlns:a16="http://schemas.microsoft.com/office/drawing/2014/main" id="{9A357CDB-73F7-4C13-AEEC-543AEF9355CD}"/>
+                    </a:ext>
+                  </a:extLst>
+                </p:cNvPr>
+                <p:cNvPicPr/>
+                <p:nvPr/>
+              </p:nvPicPr>
+              <p:blipFill>
+                <a:blip r:embed="rId7"/>
+                <a:stretch>
+                  <a:fillRect/>
+                </a:stretch>
+              </p:blipFill>
+              <p:spPr>
+                <a:xfrm>
+                  <a:off x="7914078" y="3454151"/>
+                  <a:ext cx="39960" cy="33480"/>
+                </a:xfrm>
+                <a:prstGeom prst="rect">
+                  <a:avLst/>
+                </a:prstGeom>
+              </p:spPr>
+            </p:pic>
+          </mc:Fallback>
+        </mc:AlternateContent>
+      </p:grpSp>
+      <mc:AlternateContent xmlns:mc="http://schemas.openxmlformats.org/markup-compatibility/2006">
+        <mc:Choice xmlns:p14="http://schemas.microsoft.com/office/powerpoint/2010/main" Requires="p14">
+          <p:contentPart p14:bwMode="auto" r:id="rId8">
+            <p14:nvContentPartPr>
+              <p14:cNvPr id="5" name="Ink 4">
+                <a:extLst>
+                  <a:ext uri="{FF2B5EF4-FFF2-40B4-BE49-F238E27FC236}">
+                    <a16:creationId xmlns:a16="http://schemas.microsoft.com/office/drawing/2014/main" id="{84BC33A4-ADD6-4D36-8810-90B950CE64A5}"/>
+                  </a:ext>
+                </a:extLst>
+              </p14:cNvPr>
+              <p14:cNvContentPartPr/>
+              <p14:nvPr/>
+            </p14:nvContentPartPr>
+            <p14:xfrm>
+              <a:off x="10264518" y="2717951"/>
+              <a:ext cx="680760" cy="154800"/>
+            </p14:xfrm>
+          </p:contentPart>
+        </mc:Choice>
+        <mc:Fallback>
+          <p:pic>
+            <p:nvPicPr>
+              <p:cNvPr id="5" name="Ink 4">
+                <a:extLst>
+                  <a:ext uri="{FF2B5EF4-FFF2-40B4-BE49-F238E27FC236}">
+                    <a16:creationId xmlns:a16="http://schemas.microsoft.com/office/drawing/2014/main" id="{84BC33A4-ADD6-4D36-8810-90B950CE64A5}"/>
+                  </a:ext>
+                </a:extLst>
+              </p:cNvPr>
+              <p:cNvPicPr/>
+              <p:nvPr/>
+            </p:nvPicPr>
+            <p:blipFill>
+              <a:blip r:embed="rId9"/>
+              <a:stretch>
+                <a:fillRect/>
+              </a:stretch>
+            </p:blipFill>
+            <p:spPr>
+              <a:xfrm>
+                <a:off x="10255518" y="2708951"/>
+                <a:ext cx="698400" cy="172440"/>
+              </a:xfrm>
+              <a:prstGeom prst="rect">
+                <a:avLst/>
+              </a:prstGeom>
+            </p:spPr>
+          </p:pic>
+        </mc:Fallback>
+      </mc:AlternateContent>
+      <p:grpSp>
+        <p:nvGrpSpPr>
+          <p:cNvPr id="9" name="Group 8">
+            <a:extLst>
+              <a:ext uri="{FF2B5EF4-FFF2-40B4-BE49-F238E27FC236}">
+                <a16:creationId xmlns:a16="http://schemas.microsoft.com/office/drawing/2014/main" id="{16995F4B-114C-4187-AE56-63B3EF54E6EE}"/>
+              </a:ext>
+            </a:extLst>
+          </p:cNvPr>
+          <p:cNvGrpSpPr/>
+          <p:nvPr/>
+        </p:nvGrpSpPr>
+        <p:grpSpPr>
+          <a:xfrm>
+            <a:off x="10207998" y="3340391"/>
+            <a:ext cx="981000" cy="192960"/>
+            <a:chOff x="10207998" y="3340391"/>
+            <a:chExt cx="981000" cy="192960"/>
+          </a:xfrm>
+        </p:grpSpPr>
+        <mc:AlternateContent xmlns:mc="http://schemas.openxmlformats.org/markup-compatibility/2006">
+          <mc:Choice xmlns:p14="http://schemas.microsoft.com/office/powerpoint/2010/main" Requires="p14">
+            <p:contentPart p14:bwMode="auto" r:id="rId10">
+              <p14:nvContentPartPr>
+                <p14:cNvPr id="7" name="Ink 6">
+                  <a:extLst>
+                    <a:ext uri="{FF2B5EF4-FFF2-40B4-BE49-F238E27FC236}">
+                      <a16:creationId xmlns:a16="http://schemas.microsoft.com/office/drawing/2014/main" id="{A3CAE2F5-F9D0-4B33-A9C0-CF7CF3EB7730}"/>
+                    </a:ext>
+                  </a:extLst>
+                </p14:cNvPr>
+                <p14:cNvContentPartPr/>
+                <p14:nvPr/>
+              </p14:nvContentPartPr>
+              <p14:xfrm>
+                <a:off x="10207998" y="3519671"/>
+                <a:ext cx="19080" cy="13680"/>
+              </p14:xfrm>
+            </p:contentPart>
+          </mc:Choice>
+          <mc:Fallback>
+            <p:pic>
+              <p:nvPicPr>
+                <p:cNvPr id="7" name="Ink 6">
+                  <a:extLst>
+                    <a:ext uri="{FF2B5EF4-FFF2-40B4-BE49-F238E27FC236}">
+                      <a16:creationId xmlns:a16="http://schemas.microsoft.com/office/drawing/2014/main" id="{A3CAE2F5-F9D0-4B33-A9C0-CF7CF3EB7730}"/>
+                    </a:ext>
+                  </a:extLst>
+                </p:cNvPr>
+                <p:cNvPicPr/>
+                <p:nvPr/>
+              </p:nvPicPr>
+              <p:blipFill>
+                <a:blip r:embed="rId11"/>
+                <a:stretch>
+                  <a:fillRect/>
+                </a:stretch>
+              </p:blipFill>
+              <p:spPr>
+                <a:xfrm>
+                  <a:off x="10199358" y="3511031"/>
+                  <a:ext cx="36720" cy="31320"/>
+                </a:xfrm>
+                <a:prstGeom prst="rect">
+                  <a:avLst/>
+                </a:prstGeom>
+              </p:spPr>
+            </p:pic>
+          </mc:Fallback>
+        </mc:AlternateContent>
+        <mc:AlternateContent xmlns:mc="http://schemas.openxmlformats.org/markup-compatibility/2006">
+          <mc:Choice xmlns:p14="http://schemas.microsoft.com/office/powerpoint/2010/main" Requires="p14">
+            <p:contentPart p14:bwMode="auto" r:id="rId12">
+              <p14:nvContentPartPr>
+                <p14:cNvPr id="8" name="Ink 7">
+                  <a:extLst>
+                    <a:ext uri="{FF2B5EF4-FFF2-40B4-BE49-F238E27FC236}">
+                      <a16:creationId xmlns:a16="http://schemas.microsoft.com/office/drawing/2014/main" id="{383E1497-0AD4-4EC8-93EA-545A01106A1B}"/>
+                    </a:ext>
+                  </a:extLst>
+                </p14:cNvPr>
+                <p14:cNvContentPartPr/>
+                <p14:nvPr/>
+              </p14:nvContentPartPr>
+              <p14:xfrm>
+                <a:off x="10332198" y="3340391"/>
+                <a:ext cx="856800" cy="180360"/>
+              </p14:xfrm>
+            </p:contentPart>
+          </mc:Choice>
+          <mc:Fallback>
+            <p:pic>
+              <p:nvPicPr>
+                <p:cNvPr id="8" name="Ink 7">
+                  <a:extLst>
+                    <a:ext uri="{FF2B5EF4-FFF2-40B4-BE49-F238E27FC236}">
+                      <a16:creationId xmlns:a16="http://schemas.microsoft.com/office/drawing/2014/main" id="{383E1497-0AD4-4EC8-93EA-545A01106A1B}"/>
+                    </a:ext>
+                  </a:extLst>
+                </p:cNvPr>
+                <p:cNvPicPr/>
+                <p:nvPr/>
+              </p:nvPicPr>
+              <p:blipFill>
+                <a:blip r:embed="rId13"/>
+                <a:stretch>
+                  <a:fillRect/>
+                </a:stretch>
+              </p:blipFill>
+              <p:spPr>
+                <a:xfrm>
+                  <a:off x="10323558" y="3331391"/>
+                  <a:ext cx="874440" cy="198000"/>
+                </a:xfrm>
+                <a:prstGeom prst="rect">
+                  <a:avLst/>
+                </a:prstGeom>
+              </p:spPr>
+            </p:pic>
+          </mc:Fallback>
+        </mc:AlternateContent>
+      </p:grpSp>
+      <mc:AlternateContent xmlns:mc="http://schemas.openxmlformats.org/markup-compatibility/2006">
+        <mc:Choice xmlns:p14="http://schemas.microsoft.com/office/powerpoint/2010/main" Requires="p14">
+          <p:contentPart p14:bwMode="auto" r:id="rId14">
+            <p14:nvContentPartPr>
+              <p14:cNvPr id="11" name="Ink 10">
+                <a:extLst>
+                  <a:ext uri="{FF2B5EF4-FFF2-40B4-BE49-F238E27FC236}">
+                    <a16:creationId xmlns:a16="http://schemas.microsoft.com/office/drawing/2014/main" id="{1FE73C84-9B1D-474A-8152-0866AD669CD4}"/>
+                  </a:ext>
+                </a:extLst>
+              </p14:cNvPr>
+              <p14:cNvContentPartPr/>
+              <p14:nvPr/>
+            </p14:nvContentPartPr>
+            <p14:xfrm>
+              <a:off x="9921438" y="3346511"/>
+              <a:ext cx="118800" cy="214920"/>
+            </p14:xfrm>
+          </p:contentPart>
+        </mc:Choice>
+        <mc:Fallback>
+          <p:pic>
+            <p:nvPicPr>
+              <p:cNvPr id="11" name="Ink 10">
+                <a:extLst>
+                  <a:ext uri="{FF2B5EF4-FFF2-40B4-BE49-F238E27FC236}">
+                    <a16:creationId xmlns:a16="http://schemas.microsoft.com/office/drawing/2014/main" id="{1FE73C84-9B1D-474A-8152-0866AD669CD4}"/>
+                  </a:ext>
+                </a:extLst>
+              </p:cNvPr>
+              <p:cNvPicPr/>
+              <p:nvPr/>
+            </p:nvPicPr>
+            <p:blipFill>
+              <a:blip r:embed="rId15"/>
+              <a:stretch>
+                <a:fillRect/>
+              </a:stretch>
+            </p:blipFill>
+            <p:spPr>
+              <a:xfrm>
+                <a:off x="9912438" y="3337511"/>
+                <a:ext cx="136440" cy="232560"/>
+              </a:xfrm>
+              <a:prstGeom prst="rect">
+                <a:avLst/>
+              </a:prstGeom>
+            </p:spPr>
+          </p:pic>
+        </mc:Fallback>
+      </mc:AlternateContent>
+      <mc:AlternateContent xmlns:mc="http://schemas.openxmlformats.org/markup-compatibility/2006">
+        <mc:Choice xmlns:p14="http://schemas.microsoft.com/office/powerpoint/2010/main" Requires="p14">
+          <p:contentPart p14:bwMode="auto" r:id="rId16">
+            <p14:nvContentPartPr>
+              <p14:cNvPr id="13" name="Ink 12">
+                <a:extLst>
+                  <a:ext uri="{FF2B5EF4-FFF2-40B4-BE49-F238E27FC236}">
+                    <a16:creationId xmlns:a16="http://schemas.microsoft.com/office/drawing/2014/main" id="{4F7161F5-3129-4864-9BE3-7F33A7A0232F}"/>
+                  </a:ext>
+                </a:extLst>
+              </p14:cNvPr>
+              <p14:cNvContentPartPr/>
+              <p14:nvPr/>
+            </p14:nvContentPartPr>
+            <p14:xfrm>
+              <a:off x="10044198" y="3460991"/>
+              <a:ext cx="69120" cy="137880"/>
+            </p14:xfrm>
+          </p:contentPart>
+        </mc:Choice>
+        <mc:Fallback>
+          <p:pic>
+            <p:nvPicPr>
+              <p:cNvPr id="13" name="Ink 12">
+                <a:extLst>
+                  <a:ext uri="{FF2B5EF4-FFF2-40B4-BE49-F238E27FC236}">
+                    <a16:creationId xmlns:a16="http://schemas.microsoft.com/office/drawing/2014/main" id="{4F7161F5-3129-4864-9BE3-7F33A7A0232F}"/>
+                  </a:ext>
+                </a:extLst>
+              </p:cNvPr>
+              <p:cNvPicPr/>
+              <p:nvPr/>
+            </p:nvPicPr>
+            <p:blipFill>
+              <a:blip r:embed="rId17"/>
+              <a:stretch>
+                <a:fillRect/>
+              </a:stretch>
+            </p:blipFill>
+            <p:spPr>
+              <a:xfrm>
+                <a:off x="10035198" y="3451991"/>
+                <a:ext cx="86760" cy="155520"/>
+              </a:xfrm>
+              <a:prstGeom prst="rect">
+                <a:avLst/>
+              </a:prstGeom>
+            </p:spPr>
+          </p:pic>
+        </mc:Fallback>
+      </mc:AlternateContent>
+      <mc:AlternateContent xmlns:mc="http://schemas.openxmlformats.org/markup-compatibility/2006">
+        <mc:Choice xmlns:p14="http://schemas.microsoft.com/office/powerpoint/2010/main" Requires="p14">
+          <p:contentPart p14:bwMode="auto" r:id="rId18">
+            <p14:nvContentPartPr>
+              <p14:cNvPr id="14" name="Ink 13">
+                <a:extLst>
+                  <a:ext uri="{FF2B5EF4-FFF2-40B4-BE49-F238E27FC236}">
+                    <a16:creationId xmlns:a16="http://schemas.microsoft.com/office/drawing/2014/main" id="{FD88FC2C-83AF-4C5E-9558-58AB9020A5F4}"/>
+                  </a:ext>
+                </a:extLst>
+              </p14:cNvPr>
+              <p14:cNvContentPartPr/>
+              <p14:nvPr/>
+            </p14:nvContentPartPr>
+            <p14:xfrm>
+              <a:off x="10080198" y="3538031"/>
+              <a:ext cx="135720" cy="29520"/>
+            </p14:xfrm>
+          </p:contentPart>
+        </mc:Choice>
+        <mc:Fallback>
+          <p:pic>
+            <p:nvPicPr>
+              <p:cNvPr id="14" name="Ink 13">
+                <a:extLst>
+                  <a:ext uri="{FF2B5EF4-FFF2-40B4-BE49-F238E27FC236}">
+                    <a16:creationId xmlns:a16="http://schemas.microsoft.com/office/drawing/2014/main" id="{FD88FC2C-83AF-4C5E-9558-58AB9020A5F4}"/>
+                  </a:ext>
+                </a:extLst>
+              </p:cNvPr>
+              <p:cNvPicPr/>
+              <p:nvPr/>
+            </p:nvPicPr>
+            <p:blipFill>
+              <a:blip r:embed="rId19"/>
+              <a:stretch>
+                <a:fillRect/>
+              </a:stretch>
+            </p:blipFill>
+            <p:spPr>
+              <a:xfrm>
+                <a:off x="10071198" y="3529031"/>
+                <a:ext cx="153360" cy="47160"/>
+              </a:xfrm>
+              <a:prstGeom prst="rect">
+                <a:avLst/>
+              </a:prstGeom>
+            </p:spPr>
+          </p:pic>
+        </mc:Fallback>
+      </mc:AlternateContent>
+      <mc:AlternateContent xmlns:mc="http://schemas.openxmlformats.org/markup-compatibility/2006">
+        <mc:Choice xmlns:p14="http://schemas.microsoft.com/office/powerpoint/2010/main" Requires="p14">
+          <p:contentPart p14:bwMode="auto" r:id="rId20">
+            <p14:nvContentPartPr>
+              <p14:cNvPr id="15" name="Ink 14">
+                <a:extLst>
+                  <a:ext uri="{FF2B5EF4-FFF2-40B4-BE49-F238E27FC236}">
+                    <a16:creationId xmlns:a16="http://schemas.microsoft.com/office/drawing/2014/main" id="{E6D93240-EB8E-4319-9E8E-25D11DB4AD36}"/>
+                  </a:ext>
+                </a:extLst>
+              </p14:cNvPr>
+              <p14:cNvContentPartPr/>
+              <p14:nvPr/>
+            </p14:nvContentPartPr>
+            <p14:xfrm>
+              <a:off x="10189998" y="3519311"/>
+              <a:ext cx="53280" cy="16560"/>
+            </p14:xfrm>
+          </p:contentPart>
+        </mc:Choice>
+        <mc:Fallback>
+          <p:pic>
+            <p:nvPicPr>
+              <p:cNvPr id="15" name="Ink 14">
+                <a:extLst>
+                  <a:ext uri="{FF2B5EF4-FFF2-40B4-BE49-F238E27FC236}">
+                    <a16:creationId xmlns:a16="http://schemas.microsoft.com/office/drawing/2014/main" id="{E6D93240-EB8E-4319-9E8E-25D11DB4AD36}"/>
+                  </a:ext>
+                </a:extLst>
+              </p:cNvPr>
+              <p:cNvPicPr/>
+              <p:nvPr/>
+            </p:nvPicPr>
+            <p:blipFill>
+              <a:blip r:embed="rId21"/>
+              <a:stretch>
+                <a:fillRect/>
+              </a:stretch>
+            </p:blipFill>
+            <p:spPr>
+              <a:xfrm>
+                <a:off x="10181358" y="3510311"/>
+                <a:ext cx="70920" cy="34200"/>
+              </a:xfrm>
+              <a:prstGeom prst="rect">
+                <a:avLst/>
+              </a:prstGeom>
+            </p:spPr>
+          </p:pic>
+        </mc:Fallback>
+      </mc:AlternateContent>
+      <mc:AlternateContent xmlns:mc="http://schemas.openxmlformats.org/markup-compatibility/2006">
+        <mc:Choice xmlns:p14="http://schemas.microsoft.com/office/powerpoint/2010/main" Requires="p14">
+          <p:contentPart p14:bwMode="auto" r:id="rId22">
+            <p14:nvContentPartPr>
+              <p14:cNvPr id="16" name="Ink 15">
+                <a:extLst>
+                  <a:ext uri="{FF2B5EF4-FFF2-40B4-BE49-F238E27FC236}">
+                    <a16:creationId xmlns:a16="http://schemas.microsoft.com/office/drawing/2014/main" id="{2C821D14-3593-42A1-B6D8-B71CAD7AB97C}"/>
+                  </a:ext>
+                </a:extLst>
+              </p14:cNvPr>
+              <p14:cNvContentPartPr/>
+              <p14:nvPr/>
+            </p14:nvContentPartPr>
+            <p14:xfrm>
+              <a:off x="10265958" y="3431111"/>
+              <a:ext cx="81000" cy="146160"/>
+            </p14:xfrm>
+          </p:contentPart>
+        </mc:Choice>
+        <mc:Fallback>
+          <p:pic>
+            <p:nvPicPr>
+              <p:cNvPr id="16" name="Ink 15">
+                <a:extLst>
+                  <a:ext uri="{FF2B5EF4-FFF2-40B4-BE49-F238E27FC236}">
+                    <a16:creationId xmlns:a16="http://schemas.microsoft.com/office/drawing/2014/main" id="{2C821D14-3593-42A1-B6D8-B71CAD7AB97C}"/>
+                  </a:ext>
+                </a:extLst>
+              </p:cNvPr>
+              <p:cNvPicPr/>
+              <p:nvPr/>
+            </p:nvPicPr>
+            <p:blipFill>
+              <a:blip r:embed="rId23"/>
+              <a:stretch>
+                <a:fillRect/>
+              </a:stretch>
+            </p:blipFill>
+            <p:spPr>
+              <a:xfrm>
+                <a:off x="10257318" y="3422111"/>
+                <a:ext cx="98640" cy="163800"/>
+              </a:xfrm>
+              <a:prstGeom prst="rect">
+                <a:avLst/>
+              </a:prstGeom>
+            </p:spPr>
+          </p:pic>
+        </mc:Fallback>
+      </mc:AlternateContent>
+      <mc:AlternateContent xmlns:mc="http://schemas.openxmlformats.org/markup-compatibility/2006">
+        <mc:Choice xmlns:p14="http://schemas.microsoft.com/office/powerpoint/2010/main" Requires="p14">
+          <p:contentPart p14:bwMode="auto" r:id="rId24">
+            <p14:nvContentPartPr>
+              <p14:cNvPr id="17" name="Ink 16">
+                <a:extLst>
+                  <a:ext uri="{FF2B5EF4-FFF2-40B4-BE49-F238E27FC236}">
+                    <a16:creationId xmlns:a16="http://schemas.microsoft.com/office/drawing/2014/main" id="{8FD5CD2D-4933-4844-8065-D1826B5F8C04}"/>
+                  </a:ext>
+                </a:extLst>
+              </p14:cNvPr>
+              <p14:cNvContentPartPr/>
+              <p14:nvPr/>
+            </p14:nvContentPartPr>
+            <p14:xfrm>
+              <a:off x="8584758" y="3473951"/>
+              <a:ext cx="1069560" cy="215280"/>
+            </p14:xfrm>
+          </p:contentPart>
+        </mc:Choice>
+        <mc:Fallback>
+          <p:pic>
+            <p:nvPicPr>
+              <p:cNvPr id="17" name="Ink 16">
+                <a:extLst>
+                  <a:ext uri="{FF2B5EF4-FFF2-40B4-BE49-F238E27FC236}">
+                    <a16:creationId xmlns:a16="http://schemas.microsoft.com/office/drawing/2014/main" id="{8FD5CD2D-4933-4844-8065-D1826B5F8C04}"/>
+                  </a:ext>
+                </a:extLst>
+              </p:cNvPr>
+              <p:cNvPicPr/>
+              <p:nvPr/>
+            </p:nvPicPr>
+            <p:blipFill>
+              <a:blip r:embed="rId25"/>
+              <a:stretch>
+                <a:fillRect/>
+              </a:stretch>
+            </p:blipFill>
+            <p:spPr>
+              <a:xfrm>
+                <a:off x="8575758" y="3464951"/>
+                <a:ext cx="1087200" cy="232920"/>
+              </a:xfrm>
+              <a:prstGeom prst="rect">
+                <a:avLst/>
+              </a:prstGeom>
+            </p:spPr>
+          </p:pic>
+        </mc:Fallback>
+      </mc:AlternateContent>
+      <mc:AlternateContent xmlns:mc="http://schemas.openxmlformats.org/markup-compatibility/2006">
+        <mc:Choice xmlns:p14="http://schemas.microsoft.com/office/powerpoint/2010/main" Requires="p14">
+          <p:contentPart p14:bwMode="auto" r:id="rId26">
+            <p14:nvContentPartPr>
+              <p14:cNvPr id="18" name="Ink 17">
+                <a:extLst>
+                  <a:ext uri="{FF2B5EF4-FFF2-40B4-BE49-F238E27FC236}">
+                    <a16:creationId xmlns:a16="http://schemas.microsoft.com/office/drawing/2014/main" id="{F99CBC0B-E1E6-42C9-BEC5-55F92F951C30}"/>
+                  </a:ext>
+                </a:extLst>
+              </p14:cNvPr>
+              <p14:cNvContentPartPr/>
+              <p14:nvPr/>
+            </p14:nvContentPartPr>
+            <p14:xfrm>
+              <a:off x="9786078" y="3149951"/>
+              <a:ext cx="650160" cy="659880"/>
+            </p14:xfrm>
+          </p:contentPart>
+        </mc:Choice>
+        <mc:Fallback>
+          <p:pic>
+            <p:nvPicPr>
+              <p:cNvPr id="18" name="Ink 17">
+                <a:extLst>
+                  <a:ext uri="{FF2B5EF4-FFF2-40B4-BE49-F238E27FC236}">
+                    <a16:creationId xmlns:a16="http://schemas.microsoft.com/office/drawing/2014/main" id="{F99CBC0B-E1E6-42C9-BEC5-55F92F951C30}"/>
+                  </a:ext>
+                </a:extLst>
+              </p:cNvPr>
+              <p:cNvPicPr/>
+              <p:nvPr/>
+            </p:nvPicPr>
+            <p:blipFill>
+              <a:blip r:embed="rId27"/>
+              <a:stretch>
+                <a:fillRect/>
+              </a:stretch>
+            </p:blipFill>
+            <p:spPr>
+              <a:xfrm>
+                <a:off x="9777078" y="3140951"/>
+                <a:ext cx="667800" cy="677520"/>
+              </a:xfrm>
+              <a:prstGeom prst="rect">
+                <a:avLst/>
+              </a:prstGeom>
+            </p:spPr>
+          </p:pic>
+        </mc:Fallback>
+      </mc:AlternateContent>
+      <mc:AlternateContent xmlns:mc="http://schemas.openxmlformats.org/markup-compatibility/2006">
+        <mc:Choice xmlns:p14="http://schemas.microsoft.com/office/powerpoint/2010/main" Requires="p14">
+          <p:contentPart p14:bwMode="auto" r:id="rId28">
+            <p14:nvContentPartPr>
+              <p14:cNvPr id="19" name="Ink 18">
+                <a:extLst>
+                  <a:ext uri="{FF2B5EF4-FFF2-40B4-BE49-F238E27FC236}">
+                    <a16:creationId xmlns:a16="http://schemas.microsoft.com/office/drawing/2014/main" id="{6D78BEE4-F608-45FD-AF9A-54955B281F46}"/>
+                  </a:ext>
+                </a:extLst>
+              </p14:cNvPr>
+              <p14:cNvContentPartPr/>
+              <p14:nvPr/>
+            </p14:nvContentPartPr>
+            <p14:xfrm>
+              <a:off x="10364958" y="3690311"/>
+              <a:ext cx="360" cy="360"/>
+            </p14:xfrm>
+          </p:contentPart>
+        </mc:Choice>
+        <mc:Fallback>
+          <p:pic>
+            <p:nvPicPr>
+              <p:cNvPr id="19" name="Ink 18">
+                <a:extLst>
+                  <a:ext uri="{FF2B5EF4-FFF2-40B4-BE49-F238E27FC236}">
+                    <a16:creationId xmlns:a16="http://schemas.microsoft.com/office/drawing/2014/main" id="{6D78BEE4-F608-45FD-AF9A-54955B281F46}"/>
+                  </a:ext>
+                </a:extLst>
+              </p:cNvPr>
+              <p:cNvPicPr/>
+              <p:nvPr/>
+            </p:nvPicPr>
+            <p:blipFill>
+              <a:blip r:embed="rId29"/>
+              <a:stretch>
+                <a:fillRect/>
+              </a:stretch>
+            </p:blipFill>
+            <p:spPr>
+              <a:xfrm>
+                <a:off x="10355958" y="3681311"/>
+                <a:ext cx="18000" cy="18000"/>
+              </a:xfrm>
+              <a:prstGeom prst="rect">
+                <a:avLst/>
+              </a:prstGeom>
+            </p:spPr>
+          </p:pic>
+        </mc:Fallback>
+      </mc:AlternateContent>
     </p:spTree>
     <p:extLst>
       <p:ext uri="{BB962C8B-B14F-4D97-AF65-F5344CB8AC3E}">
